--- a/3_LINE/Alias.pptx
+++ b/3_LINE/Alias.pptx
@@ -5,8 +5,8 @@
     <p:sldMasterId id="2147483660" r:id="rId1"/>
   </p:sldMasterIdLst>
   <p:sldIdLst>
-    <p:sldId id="257" r:id="rId2"/>
-    <p:sldId id="256" r:id="rId3"/>
+    <p:sldId id="256" r:id="rId2"/>
+    <p:sldId id="257" r:id="rId3"/>
   </p:sldIdLst>
   <p:sldSz cx="9144000" cy="6858000" type="screen4x3"/>
   <p:notesSz cx="6858000" cy="9144000"/>
@@ -105,6 +105,11 @@
       </a:defRPr>
     </a:lvl9pPr>
   </p:defaultTextStyle>
+  <p:extLst>
+    <p:ext uri="{EFAFB233-063F-42B5-8137-9DF3F51BA10A}">
+      <p15:sldGuideLst xmlns:p15="http://schemas.microsoft.com/office/powerpoint/2012/main"/>
+    </p:ext>
+  </p:extLst>
 </p:presentation>
 </file>
 
@@ -239,7 +244,7 @@
           <a:p>
             <a:fld id="{13C4C18D-2C89-4F51-82E1-A0A0590E7FA4}" type="datetimeFigureOut">
               <a:rPr lang="zh-CN" altLang="en-US" smtClean="0"/>
-              <a:t>2021/10/10</a:t>
+              <a:t>2021/10/11</a:t>
             </a:fld>
             <a:endParaRPr lang="zh-CN" altLang="en-US"/>
           </a:p>
@@ -409,7 +414,7 @@
           <a:p>
             <a:fld id="{13C4C18D-2C89-4F51-82E1-A0A0590E7FA4}" type="datetimeFigureOut">
               <a:rPr lang="zh-CN" altLang="en-US" smtClean="0"/>
-              <a:t>2021/10/10</a:t>
+              <a:t>2021/10/11</a:t>
             </a:fld>
             <a:endParaRPr lang="zh-CN" altLang="en-US"/>
           </a:p>
@@ -589,7 +594,7 @@
           <a:p>
             <a:fld id="{13C4C18D-2C89-4F51-82E1-A0A0590E7FA4}" type="datetimeFigureOut">
               <a:rPr lang="zh-CN" altLang="en-US" smtClean="0"/>
-              <a:t>2021/10/10</a:t>
+              <a:t>2021/10/11</a:t>
             </a:fld>
             <a:endParaRPr lang="zh-CN" altLang="en-US"/>
           </a:p>
@@ -759,7 +764,7 @@
           <a:p>
             <a:fld id="{13C4C18D-2C89-4F51-82E1-A0A0590E7FA4}" type="datetimeFigureOut">
               <a:rPr lang="zh-CN" altLang="en-US" smtClean="0"/>
-              <a:t>2021/10/10</a:t>
+              <a:t>2021/10/11</a:t>
             </a:fld>
             <a:endParaRPr lang="zh-CN" altLang="en-US"/>
           </a:p>
@@ -1003,7 +1008,7 @@
           <a:p>
             <a:fld id="{13C4C18D-2C89-4F51-82E1-A0A0590E7FA4}" type="datetimeFigureOut">
               <a:rPr lang="zh-CN" altLang="en-US" smtClean="0"/>
-              <a:t>2021/10/10</a:t>
+              <a:t>2021/10/11</a:t>
             </a:fld>
             <a:endParaRPr lang="zh-CN" altLang="en-US"/>
           </a:p>
@@ -1235,7 +1240,7 @@
           <a:p>
             <a:fld id="{13C4C18D-2C89-4F51-82E1-A0A0590E7FA4}" type="datetimeFigureOut">
               <a:rPr lang="zh-CN" altLang="en-US" smtClean="0"/>
-              <a:t>2021/10/10</a:t>
+              <a:t>2021/10/11</a:t>
             </a:fld>
             <a:endParaRPr lang="zh-CN" altLang="en-US"/>
           </a:p>
@@ -1602,7 +1607,7 @@
           <a:p>
             <a:fld id="{13C4C18D-2C89-4F51-82E1-A0A0590E7FA4}" type="datetimeFigureOut">
               <a:rPr lang="zh-CN" altLang="en-US" smtClean="0"/>
-              <a:t>2021/10/10</a:t>
+              <a:t>2021/10/11</a:t>
             </a:fld>
             <a:endParaRPr lang="zh-CN" altLang="en-US"/>
           </a:p>
@@ -1720,7 +1725,7 @@
           <a:p>
             <a:fld id="{13C4C18D-2C89-4F51-82E1-A0A0590E7FA4}" type="datetimeFigureOut">
               <a:rPr lang="zh-CN" altLang="en-US" smtClean="0"/>
-              <a:t>2021/10/10</a:t>
+              <a:t>2021/10/11</a:t>
             </a:fld>
             <a:endParaRPr lang="zh-CN" altLang="en-US"/>
           </a:p>
@@ -1815,7 +1820,7 @@
           <a:p>
             <a:fld id="{13C4C18D-2C89-4F51-82E1-A0A0590E7FA4}" type="datetimeFigureOut">
               <a:rPr lang="zh-CN" altLang="en-US" smtClean="0"/>
-              <a:t>2021/10/10</a:t>
+              <a:t>2021/10/11</a:t>
             </a:fld>
             <a:endParaRPr lang="zh-CN" altLang="en-US"/>
           </a:p>
@@ -2092,7 +2097,7 @@
           <a:p>
             <a:fld id="{13C4C18D-2C89-4F51-82E1-A0A0590E7FA4}" type="datetimeFigureOut">
               <a:rPr lang="zh-CN" altLang="en-US" smtClean="0"/>
-              <a:t>2021/10/10</a:t>
+              <a:t>2021/10/11</a:t>
             </a:fld>
             <a:endParaRPr lang="zh-CN" altLang="en-US"/>
           </a:p>
@@ -2349,7 +2354,7 @@
           <a:p>
             <a:fld id="{13C4C18D-2C89-4F51-82E1-A0A0590E7FA4}" type="datetimeFigureOut">
               <a:rPr lang="zh-CN" altLang="en-US" smtClean="0"/>
-              <a:t>2021/10/10</a:t>
+              <a:t>2021/10/11</a:t>
             </a:fld>
             <a:endParaRPr lang="zh-CN" altLang="en-US"/>
           </a:p>
@@ -2562,7 +2567,7 @@
           <a:p>
             <a:fld id="{13C4C18D-2C89-4F51-82E1-A0A0590E7FA4}" type="datetimeFigureOut">
               <a:rPr lang="zh-CN" altLang="en-US" smtClean="0"/>
-              <a:t>2021/10/10</a:t>
+              <a:t>2021/10/11</a:t>
             </a:fld>
             <a:endParaRPr lang="zh-CN" altLang="en-US"/>
           </a:p>
@@ -2969,86 +2974,6 @@
       </p:grpSpPr>
       <p:sp>
         <p:nvSpPr>
-          <p:cNvPr id="2" name="标题 1">
-            <a:extLst>
-              <a:ext uri="{FF2B5EF4-FFF2-40B4-BE49-F238E27FC236}">
-                <a16:creationId xmlns:a16="http://schemas.microsoft.com/office/drawing/2014/main" id="{4F6F444C-DDB4-46A2-815E-D277E82475BE}"/>
-              </a:ext>
-            </a:extLst>
-          </p:cNvPr>
-          <p:cNvSpPr>
-            <a:spLocks noGrp="1"/>
-          </p:cNvSpPr>
-          <p:nvPr>
-            <p:ph type="title"/>
-          </p:nvPr>
-        </p:nvSpPr>
-        <p:spPr/>
-        <p:txBody>
-          <a:bodyPr/>
-          <a:lstStyle/>
-          <a:p>
-            <a:endParaRPr lang="zh-CN" altLang="en-US"/>
-          </a:p>
-        </p:txBody>
-      </p:sp>
-      <p:sp>
-        <p:nvSpPr>
-          <p:cNvPr id="3" name="内容占位符 2">
-            <a:extLst>
-              <a:ext uri="{FF2B5EF4-FFF2-40B4-BE49-F238E27FC236}">
-                <a16:creationId xmlns:a16="http://schemas.microsoft.com/office/drawing/2014/main" id="{654DE2AB-1DF0-469E-AA0A-A97A2846F544}"/>
-              </a:ext>
-            </a:extLst>
-          </p:cNvPr>
-          <p:cNvSpPr>
-            <a:spLocks noGrp="1"/>
-          </p:cNvSpPr>
-          <p:nvPr>
-            <p:ph idx="1"/>
-          </p:nvPr>
-        </p:nvSpPr>
-        <p:spPr/>
-        <p:txBody>
-          <a:bodyPr/>
-          <a:lstStyle/>
-          <a:p>
-            <a:endParaRPr lang="zh-CN" altLang="en-US"/>
-          </a:p>
-        </p:txBody>
-      </p:sp>
-    </p:spTree>
-    <p:extLst>
-      <p:ext uri="{BB962C8B-B14F-4D97-AF65-F5344CB8AC3E}">
-        <p14:creationId xmlns:p14="http://schemas.microsoft.com/office/powerpoint/2010/main" val="1734938902"/>
-      </p:ext>
-    </p:extLst>
-  </p:cSld>
-  <p:clrMapOvr>
-    <a:masterClrMapping/>
-  </p:clrMapOvr>
-</p:sld>
-</file>
-
-<file path=ppt/slides/slide2.xml><?xml version="1.0" encoding="utf-8"?>
-<p:sld xmlns:a="http://schemas.openxmlformats.org/drawingml/2006/main" xmlns:r="http://schemas.openxmlformats.org/officeDocument/2006/relationships" xmlns:p="http://schemas.openxmlformats.org/presentationml/2006/main">
-  <p:cSld>
-    <p:spTree>
-      <p:nvGrpSpPr>
-        <p:cNvPr id="1" name=""/>
-        <p:cNvGrpSpPr/>
-        <p:nvPr/>
-      </p:nvGrpSpPr>
-      <p:grpSpPr>
-        <a:xfrm>
-          <a:off x="0" y="0"/>
-          <a:ext cx="0" cy="0"/>
-          <a:chOff x="0" y="0"/>
-          <a:chExt cx="0" cy="0"/>
-        </a:xfrm>
-      </p:grpSpPr>
-      <p:sp>
-        <p:nvSpPr>
           <p:cNvPr id="6" name="文本框 5">
             <a:extLst>
               <a:ext uri="{FF2B5EF4-FFF2-40B4-BE49-F238E27FC236}">
@@ -8352,6 +8277,86 @@
 </p:sld>
 </file>
 
+<file path=ppt/slides/slide2.xml><?xml version="1.0" encoding="utf-8"?>
+<p:sld xmlns:a="http://schemas.openxmlformats.org/drawingml/2006/main" xmlns:r="http://schemas.openxmlformats.org/officeDocument/2006/relationships" xmlns:p="http://schemas.openxmlformats.org/presentationml/2006/main">
+  <p:cSld>
+    <p:spTree>
+      <p:nvGrpSpPr>
+        <p:cNvPr id="1" name=""/>
+        <p:cNvGrpSpPr/>
+        <p:nvPr/>
+      </p:nvGrpSpPr>
+      <p:grpSpPr>
+        <a:xfrm>
+          <a:off x="0" y="0"/>
+          <a:ext cx="0" cy="0"/>
+          <a:chOff x="0" y="0"/>
+          <a:chExt cx="0" cy="0"/>
+        </a:xfrm>
+      </p:grpSpPr>
+      <p:sp>
+        <p:nvSpPr>
+          <p:cNvPr id="2" name="标题 1">
+            <a:extLst>
+              <a:ext uri="{FF2B5EF4-FFF2-40B4-BE49-F238E27FC236}">
+                <a16:creationId xmlns:a16="http://schemas.microsoft.com/office/drawing/2014/main" id="{4F6F444C-DDB4-46A2-815E-D277E82475BE}"/>
+              </a:ext>
+            </a:extLst>
+          </p:cNvPr>
+          <p:cNvSpPr>
+            <a:spLocks noGrp="1"/>
+          </p:cNvSpPr>
+          <p:nvPr>
+            <p:ph type="title"/>
+          </p:nvPr>
+        </p:nvSpPr>
+        <p:spPr/>
+        <p:txBody>
+          <a:bodyPr/>
+          <a:lstStyle/>
+          <a:p>
+            <a:endParaRPr lang="zh-CN" altLang="en-US"/>
+          </a:p>
+        </p:txBody>
+      </p:sp>
+      <p:sp>
+        <p:nvSpPr>
+          <p:cNvPr id="3" name="内容占位符 2">
+            <a:extLst>
+              <a:ext uri="{FF2B5EF4-FFF2-40B4-BE49-F238E27FC236}">
+                <a16:creationId xmlns:a16="http://schemas.microsoft.com/office/drawing/2014/main" id="{654DE2AB-1DF0-469E-AA0A-A97A2846F544}"/>
+              </a:ext>
+            </a:extLst>
+          </p:cNvPr>
+          <p:cNvSpPr>
+            <a:spLocks noGrp="1"/>
+          </p:cNvSpPr>
+          <p:nvPr>
+            <p:ph idx="1"/>
+          </p:nvPr>
+        </p:nvSpPr>
+        <p:spPr/>
+        <p:txBody>
+          <a:bodyPr/>
+          <a:lstStyle/>
+          <a:p>
+            <a:endParaRPr lang="zh-CN" altLang="en-US"/>
+          </a:p>
+        </p:txBody>
+      </p:sp>
+    </p:spTree>
+    <p:extLst>
+      <p:ext uri="{BB962C8B-B14F-4D97-AF65-F5344CB8AC3E}">
+        <p14:creationId xmlns:p14="http://schemas.microsoft.com/office/powerpoint/2010/main" val="1734938902"/>
+      </p:ext>
+    </p:extLst>
+  </p:cSld>
+  <p:clrMapOvr>
+    <a:masterClrMapping/>
+  </p:clrMapOvr>
+</p:sld>
+</file>
+
 <file path=ppt/theme/theme1.xml><?xml version="1.0" encoding="utf-8"?>
 <a:theme xmlns:a="http://schemas.openxmlformats.org/drawingml/2006/main" name="Office 主题​​">
   <a:themeElements>

--- a/3_LINE/Alias.pptx
+++ b/3_LINE/Alias.pptx
@@ -244,7 +244,7 @@
           <a:p>
             <a:fld id="{13C4C18D-2C89-4F51-82E1-A0A0590E7FA4}" type="datetimeFigureOut">
               <a:rPr lang="zh-CN" altLang="en-US" smtClean="0"/>
-              <a:t>2021/10/11</a:t>
+              <a:t>2021/10/28</a:t>
             </a:fld>
             <a:endParaRPr lang="zh-CN" altLang="en-US"/>
           </a:p>
@@ -414,7 +414,7 @@
           <a:p>
             <a:fld id="{13C4C18D-2C89-4F51-82E1-A0A0590E7FA4}" type="datetimeFigureOut">
               <a:rPr lang="zh-CN" altLang="en-US" smtClean="0"/>
-              <a:t>2021/10/11</a:t>
+              <a:t>2021/10/28</a:t>
             </a:fld>
             <a:endParaRPr lang="zh-CN" altLang="en-US"/>
           </a:p>
@@ -594,7 +594,7 @@
           <a:p>
             <a:fld id="{13C4C18D-2C89-4F51-82E1-A0A0590E7FA4}" type="datetimeFigureOut">
               <a:rPr lang="zh-CN" altLang="en-US" smtClean="0"/>
-              <a:t>2021/10/11</a:t>
+              <a:t>2021/10/28</a:t>
             </a:fld>
             <a:endParaRPr lang="zh-CN" altLang="en-US"/>
           </a:p>
@@ -764,7 +764,7 @@
           <a:p>
             <a:fld id="{13C4C18D-2C89-4F51-82E1-A0A0590E7FA4}" type="datetimeFigureOut">
               <a:rPr lang="zh-CN" altLang="en-US" smtClean="0"/>
-              <a:t>2021/10/11</a:t>
+              <a:t>2021/10/28</a:t>
             </a:fld>
             <a:endParaRPr lang="zh-CN" altLang="en-US"/>
           </a:p>
@@ -1008,7 +1008,7 @@
           <a:p>
             <a:fld id="{13C4C18D-2C89-4F51-82E1-A0A0590E7FA4}" type="datetimeFigureOut">
               <a:rPr lang="zh-CN" altLang="en-US" smtClean="0"/>
-              <a:t>2021/10/11</a:t>
+              <a:t>2021/10/28</a:t>
             </a:fld>
             <a:endParaRPr lang="zh-CN" altLang="en-US"/>
           </a:p>
@@ -1240,7 +1240,7 @@
           <a:p>
             <a:fld id="{13C4C18D-2C89-4F51-82E1-A0A0590E7FA4}" type="datetimeFigureOut">
               <a:rPr lang="zh-CN" altLang="en-US" smtClean="0"/>
-              <a:t>2021/10/11</a:t>
+              <a:t>2021/10/28</a:t>
             </a:fld>
             <a:endParaRPr lang="zh-CN" altLang="en-US"/>
           </a:p>
@@ -1607,7 +1607,7 @@
           <a:p>
             <a:fld id="{13C4C18D-2C89-4F51-82E1-A0A0590E7FA4}" type="datetimeFigureOut">
               <a:rPr lang="zh-CN" altLang="en-US" smtClean="0"/>
-              <a:t>2021/10/11</a:t>
+              <a:t>2021/10/28</a:t>
             </a:fld>
             <a:endParaRPr lang="zh-CN" altLang="en-US"/>
           </a:p>
@@ -1725,7 +1725,7 @@
           <a:p>
             <a:fld id="{13C4C18D-2C89-4F51-82E1-A0A0590E7FA4}" type="datetimeFigureOut">
               <a:rPr lang="zh-CN" altLang="en-US" smtClean="0"/>
-              <a:t>2021/10/11</a:t>
+              <a:t>2021/10/28</a:t>
             </a:fld>
             <a:endParaRPr lang="zh-CN" altLang="en-US"/>
           </a:p>
@@ -1820,7 +1820,7 @@
           <a:p>
             <a:fld id="{13C4C18D-2C89-4F51-82E1-A0A0590E7FA4}" type="datetimeFigureOut">
               <a:rPr lang="zh-CN" altLang="en-US" smtClean="0"/>
-              <a:t>2021/10/11</a:t>
+              <a:t>2021/10/28</a:t>
             </a:fld>
             <a:endParaRPr lang="zh-CN" altLang="en-US"/>
           </a:p>
@@ -2097,7 +2097,7 @@
           <a:p>
             <a:fld id="{13C4C18D-2C89-4F51-82E1-A0A0590E7FA4}" type="datetimeFigureOut">
               <a:rPr lang="zh-CN" altLang="en-US" smtClean="0"/>
-              <a:t>2021/10/11</a:t>
+              <a:t>2021/10/28</a:t>
             </a:fld>
             <a:endParaRPr lang="zh-CN" altLang="en-US"/>
           </a:p>
@@ -2354,7 +2354,7 @@
           <a:p>
             <a:fld id="{13C4C18D-2C89-4F51-82E1-A0A0590E7FA4}" type="datetimeFigureOut">
               <a:rPr lang="zh-CN" altLang="en-US" smtClean="0"/>
-              <a:t>2021/10/11</a:t>
+              <a:t>2021/10/28</a:t>
             </a:fld>
             <a:endParaRPr lang="zh-CN" altLang="en-US"/>
           </a:p>
@@ -2567,7 +2567,7 @@
           <a:p>
             <a:fld id="{13C4C18D-2C89-4F51-82E1-A0A0590E7FA4}" type="datetimeFigureOut">
               <a:rPr lang="zh-CN" altLang="en-US" smtClean="0"/>
-              <a:t>2021/10/11</a:t>
+              <a:t>2021/10/28</a:t>
             </a:fld>
             <a:endParaRPr lang="zh-CN" altLang="en-US"/>
           </a:p>
@@ -8296,51 +8296,74 @@
       </p:grpSpPr>
       <p:sp>
         <p:nvSpPr>
-          <p:cNvPr id="2" name="标题 1">
-            <a:extLst>
-              <a:ext uri="{FF2B5EF4-FFF2-40B4-BE49-F238E27FC236}">
-                <a16:creationId xmlns:a16="http://schemas.microsoft.com/office/drawing/2014/main" id="{4F6F444C-DDB4-46A2-815E-D277E82475BE}"/>
-              </a:ext>
-            </a:extLst>
-          </p:cNvPr>
-          <p:cNvSpPr>
-            <a:spLocks noGrp="1"/>
-          </p:cNvSpPr>
-          <p:nvPr>
-            <p:ph type="title"/>
-          </p:nvPr>
-        </p:nvSpPr>
-        <p:spPr/>
-        <p:txBody>
-          <a:bodyPr/>
-          <a:lstStyle/>
-          <a:p>
-            <a:endParaRPr lang="zh-CN" altLang="en-US"/>
-          </a:p>
-        </p:txBody>
-      </p:sp>
-      <p:sp>
-        <p:nvSpPr>
-          <p:cNvPr id="3" name="内容占位符 2">
-            <a:extLst>
-              <a:ext uri="{FF2B5EF4-FFF2-40B4-BE49-F238E27FC236}">
-                <a16:creationId xmlns:a16="http://schemas.microsoft.com/office/drawing/2014/main" id="{654DE2AB-1DF0-469E-AA0A-A97A2846F544}"/>
-              </a:ext>
-            </a:extLst>
-          </p:cNvPr>
-          <p:cNvSpPr>
-            <a:spLocks noGrp="1"/>
-          </p:cNvSpPr>
-          <p:nvPr>
-            <p:ph idx="1"/>
-          </p:nvPr>
-        </p:nvSpPr>
-        <p:spPr/>
-        <p:txBody>
-          <a:bodyPr/>
-          <a:lstStyle/>
-          <a:p>
-            <a:endParaRPr lang="zh-CN" altLang="en-US"/>
+          <p:cNvPr id="4" name="矩形 3">
+            <a:extLst>
+              <a:ext uri="{FF2B5EF4-FFF2-40B4-BE49-F238E27FC236}">
+                <a16:creationId xmlns:a16="http://schemas.microsoft.com/office/drawing/2014/main" id="{0B96317D-2315-4B88-B2A4-3CF89C4E0B38}"/>
+              </a:ext>
+            </a:extLst>
+          </p:cNvPr>
+          <p:cNvSpPr/>
+          <p:nvPr/>
+        </p:nvSpPr>
+        <p:spPr>
+          <a:xfrm>
+            <a:off x="847817" y="2324600"/>
+            <a:ext cx="6858000" cy="369332"/>
+          </a:xfrm>
+          <a:prstGeom prst="rect">
+            <a:avLst/>
+          </a:prstGeom>
+        </p:spPr>
+        <p:txBody>
+          <a:bodyPr wrap="square">
+            <a:spAutoFit/>
+          </a:bodyPr>
+          <a:lstStyle/>
+          <a:p>
+            <a:r>
+              <a:rPr lang="en-US" altLang="zh-CN" dirty="0">
+                <a:hlinkClick r:id="rId2"/>
+              </a:rPr>
+              <a:t>Alias Method:</a:t>
+            </a:r>
+            <a:r>
+              <a:rPr lang="zh-CN" altLang="en-US" dirty="0">
+                <a:hlinkClick r:id="rId2"/>
+              </a:rPr>
+              <a:t>时间复杂度</a:t>
+            </a:r>
+            <a:r>
+              <a:rPr lang="en-US" altLang="zh-CN" dirty="0">
+                <a:hlinkClick r:id="rId2"/>
+              </a:rPr>
+              <a:t>O(1)</a:t>
+            </a:r>
+            <a:r>
+              <a:rPr lang="zh-CN" altLang="en-US" dirty="0">
+                <a:hlinkClick r:id="rId2"/>
+              </a:rPr>
+              <a:t>的离散采样方法 </a:t>
+            </a:r>
+            <a:r>
+              <a:rPr lang="en-US" altLang="zh-CN" dirty="0">
+                <a:hlinkClick r:id="rId2"/>
+              </a:rPr>
+              <a:t>- </a:t>
+            </a:r>
+            <a:r>
+              <a:rPr lang="zh-CN" altLang="en-US" dirty="0">
+                <a:hlinkClick r:id="rId2"/>
+              </a:rPr>
+              <a:t>知乎 </a:t>
+            </a:r>
+            <a:r>
+              <a:rPr lang="en-US" altLang="zh-CN" dirty="0">
+                <a:hlinkClick r:id="rId2"/>
+              </a:rPr>
+              <a:t>(zhihu.com)</a:t>
+            </a:r>
+            <a:endParaRPr lang="zh-CN" altLang="en-US" dirty="0"/>
           </a:p>
         </p:txBody>
       </p:sp>
